--- a/Internal Training《How to use TFLite_v1》—Public.pptx
+++ b/Internal Training《How to use TFLite_v1》—Public.pptx
@@ -5,10 +5,10 @@
     <p:sldMasterId id="2147483665" r:id="rId1"/>
   </p:sldMasterIdLst>
   <p:notesMasterIdLst>
-    <p:notesMasterId r:id="rId25"/>
+    <p:notesMasterId r:id="rId26"/>
   </p:notesMasterIdLst>
   <p:handoutMasterIdLst>
-    <p:handoutMasterId r:id="rId26"/>
+    <p:handoutMasterId r:id="rId27"/>
   </p:handoutMasterIdLst>
   <p:sldIdLst>
     <p:sldId id="317" r:id="rId2"/>
@@ -28,12 +28,13 @@
     <p:sldId id="368" r:id="rId16"/>
     <p:sldId id="371" r:id="rId17"/>
     <p:sldId id="372" r:id="rId18"/>
-    <p:sldId id="373" r:id="rId19"/>
-    <p:sldId id="374" r:id="rId20"/>
-    <p:sldId id="375" r:id="rId21"/>
-    <p:sldId id="376" r:id="rId22"/>
-    <p:sldId id="307" r:id="rId23"/>
-    <p:sldId id="259" r:id="rId24"/>
+    <p:sldId id="378" r:id="rId19"/>
+    <p:sldId id="373" r:id="rId20"/>
+    <p:sldId id="374" r:id="rId21"/>
+    <p:sldId id="375" r:id="rId22"/>
+    <p:sldId id="376" r:id="rId23"/>
+    <p:sldId id="307" r:id="rId24"/>
+    <p:sldId id="259" r:id="rId25"/>
   </p:sldIdLst>
   <p:sldSz cx="12192000" cy="6858000"/>
   <p:notesSz cx="6858000" cy="9144000"/>
@@ -158,6 +159,7 @@
             <p14:sldId id="368"/>
             <p14:sldId id="371"/>
             <p14:sldId id="372"/>
+            <p14:sldId id="378"/>
             <p14:sldId id="373"/>
             <p14:sldId id="374"/>
             <p14:sldId id="375"/>
@@ -169,10 +171,10 @@
       </p14:sectionLst>
     </p:ext>
     <p:ext uri="{EFAFB233-063F-42B5-8137-9DF3F51BA10A}">
-      <p15:sldGuideLst xmlns:p15="http://schemas.microsoft.com/office/powerpoint/2012/main" xmlns=""/>
+      <p15:sldGuideLst xmlns="" xmlns:p15="http://schemas.microsoft.com/office/powerpoint/2012/main"/>
     </p:ext>
     <p:ext uri="{2D200454-40CA-4A62-9FC3-DE9A4176ACB9}">
-      <p15:notesGuideLst xmlns:p15="http://schemas.microsoft.com/office/powerpoint/2012/main" xmlns=""/>
+      <p15:notesGuideLst xmlns="" xmlns:p15="http://schemas.microsoft.com/office/powerpoint/2012/main"/>
     </p:ext>
   </p:extLst>
 </p:presentation>
@@ -1589,6 +1591,70 @@
 </file>
 
 <file path=ppt/notesSlides/notesSlide20.xml><?xml version="1.0" encoding="utf-8"?>
+<p:notes xmlns:a="http://schemas.openxmlformats.org/drawingml/2006/main" xmlns:r="http://schemas.openxmlformats.org/officeDocument/2006/relationships" xmlns:p="http://schemas.openxmlformats.org/presentationml/2006/main">
+  <p:cSld>
+    <p:spTree>
+      <p:nvGrpSpPr>
+        <p:cNvPr id="1" name=""/>
+        <p:cNvGrpSpPr/>
+        <p:nvPr/>
+      </p:nvGrpSpPr>
+      <p:grpSpPr>
+        <a:xfrm>
+          <a:off x="0" y="0"/>
+          <a:ext cx="0" cy="0"/>
+          <a:chOff x="0" y="0"/>
+          <a:chExt cx="0" cy="0"/>
+        </a:xfrm>
+      </p:grpSpPr>
+      <p:sp>
+        <p:nvSpPr>
+          <p:cNvPr id="2" name="幻灯片图像占位符 1"/>
+          <p:cNvSpPr>
+            <a:spLocks noGrp="1" noRot="1" noChangeAspect="1"/>
+          </p:cNvSpPr>
+          <p:nvPr>
+            <p:ph type="sldImg"/>
+          </p:nvPr>
+        </p:nvSpPr>
+        <p:spPr/>
+      </p:sp>
+      <p:sp>
+        <p:nvSpPr>
+          <p:cNvPr id="3" name="备注占位符 2"/>
+          <p:cNvSpPr>
+            <a:spLocks noGrp="1"/>
+          </p:cNvSpPr>
+          <p:nvPr>
+            <p:ph type="body" idx="1"/>
+          </p:nvPr>
+        </p:nvSpPr>
+        <p:spPr/>
+        <p:txBody>
+          <a:bodyPr/>
+          <a:lstStyle/>
+          <a:p>
+            <a:pPr marL="0" indent="0">
+              <a:buNone/>
+            </a:pPr>
+            <a:endParaRPr lang="zh-CN" altLang="en-US" dirty="0"/>
+          </a:p>
+        </p:txBody>
+      </p:sp>
+    </p:spTree>
+    <p:extLst>
+      <p:ext uri="{BB962C8B-B14F-4D97-AF65-F5344CB8AC3E}">
+        <p14:creationId xmlns:p14="http://schemas.microsoft.com/office/powerpoint/2010/main" val="1401418676"/>
+      </p:ext>
+    </p:extLst>
+  </p:cSld>
+  <p:clrMapOvr>
+    <a:masterClrMapping/>
+  </p:clrMapOvr>
+</p:notes>
+</file>
+
+<file path=ppt/notesSlides/notesSlide21.xml><?xml version="1.0" encoding="utf-8"?>
 <p:notes xmlns:a="http://schemas.openxmlformats.org/drawingml/2006/main" xmlns:r="http://schemas.openxmlformats.org/officeDocument/2006/relationships" xmlns:p="http://schemas.openxmlformats.org/presentationml/2006/main">
   <p:cSld>
     <p:spTree>
@@ -9679,26 +9745,15 @@
             </a:pPr>
             <a:r>
               <a:rPr lang="en-US" altLang="zh-CN" dirty="0" smtClean="0"/>
-              <a:t>NDK r16b (</a:t>
-            </a:r>
-            <a:r>
-              <a:rPr lang="en-US" altLang="zh-CN" dirty="0" smtClean="0">
-                <a:solidFill>
-                  <a:srgbClr val="FF0000"/>
-                </a:solidFill>
-              </a:rPr>
-              <a:t>Error</a:t>
-            </a:r>
-            <a:r>
-              <a:rPr lang="en-US" altLang="zh-CN" dirty="0" smtClean="0"/>
-              <a:t>)</a:t>
-            </a:r>
+              <a:t>WORKSPACE</a:t>
+            </a:r>
+            <a:endParaRPr lang="en-US" altLang="zh-CN" dirty="0" smtClean="0"/>
           </a:p>
         </p:txBody>
       </p:sp>
       <p:pic>
         <p:nvPicPr>
-          <p:cNvPr id="2" name="图片 1"/>
+          <p:cNvPr id="4" name="图片 3"/>
           <p:cNvPicPr>
             <a:picLocks noChangeAspect="1"/>
           </p:cNvPicPr>
@@ -9718,8 +9773,8 @@
         </p:blipFill>
         <p:spPr>
           <a:xfrm>
-            <a:off x="1741251" y="2220235"/>
-            <a:ext cx="7363656" cy="4637765"/>
+            <a:off x="1256746" y="2377439"/>
+            <a:ext cx="9463485" cy="3257639"/>
           </a:xfrm>
           <a:prstGeom prst="rect">
             <a:avLst/>
@@ -10183,14 +10238,26 @@
             </a:pPr>
             <a:r>
               <a:rPr lang="en-US" altLang="zh-CN" dirty="0" smtClean="0"/>
-              <a:t>NDK r18b </a:t>
+              <a:t>NDK r16b (</a:t>
+            </a:r>
+            <a:r>
+              <a:rPr lang="en-US" altLang="zh-CN" dirty="0" smtClean="0">
+                <a:solidFill>
+                  <a:srgbClr val="FF0000"/>
+                </a:solidFill>
+              </a:rPr>
+              <a:t>Error</a:t>
+            </a:r>
+            <a:r>
+              <a:rPr lang="en-US" altLang="zh-CN" dirty="0" smtClean="0"/>
+              <a:t>)</a:t>
             </a:r>
           </a:p>
         </p:txBody>
       </p:sp>
       <p:pic>
         <p:nvPicPr>
-          <p:cNvPr id="4" name="图片 3"/>
+          <p:cNvPr id="2" name="图片 1"/>
           <p:cNvPicPr>
             <a:picLocks noChangeAspect="1"/>
           </p:cNvPicPr>
@@ -10210,8 +10277,8 @@
         </p:blipFill>
         <p:spPr>
           <a:xfrm>
-            <a:off x="1953928" y="2210368"/>
-            <a:ext cx="7290328" cy="4557115"/>
+            <a:off x="1741251" y="2220235"/>
+            <a:ext cx="7363656" cy="4637765"/>
           </a:xfrm>
           <a:prstGeom prst="rect">
             <a:avLst/>
@@ -10221,7 +10288,7 @@
     </p:spTree>
     <p:extLst>
       <p:ext uri="{BB962C8B-B14F-4D97-AF65-F5344CB8AC3E}">
-        <p14:creationId xmlns:p14="http://schemas.microsoft.com/office/powerpoint/2010/main" val="2665743737"/>
+        <p14:creationId xmlns:p14="http://schemas.microsoft.com/office/powerpoint/2010/main" val="2177333302"/>
       </p:ext>
     </p:extLst>
   </p:cSld>
@@ -10682,7 +10749,7 @@
       </p:sp>
       <p:pic>
         <p:nvPicPr>
-          <p:cNvPr id="2" name="图片 1"/>
+          <p:cNvPr id="4" name="图片 3"/>
           <p:cNvPicPr>
             <a:picLocks noChangeAspect="1"/>
           </p:cNvPicPr>
@@ -10702,8 +10769,8 @@
         </p:blipFill>
         <p:spPr>
           <a:xfrm>
-            <a:off x="1549666" y="2209461"/>
-            <a:ext cx="7742947" cy="4644647"/>
+            <a:off x="1953928" y="2210368"/>
+            <a:ext cx="7290328" cy="4557115"/>
           </a:xfrm>
           <a:prstGeom prst="rect">
             <a:avLst/>
@@ -10713,7 +10780,7 @@
     </p:spTree>
     <p:extLst>
       <p:ext uri="{BB962C8B-B14F-4D97-AF65-F5344CB8AC3E}">
-        <p14:creationId xmlns:p14="http://schemas.microsoft.com/office/powerpoint/2010/main" val="3729625379"/>
+        <p14:creationId xmlns:p14="http://schemas.microsoft.com/office/powerpoint/2010/main" val="2665743737"/>
       </p:ext>
     </p:extLst>
   </p:cSld>
@@ -11541,6 +11608,17 @@
               <a:t>1.6 Test on Ubuntu18.04</a:t>
             </a:r>
           </a:p>
+          <a:p>
+            <a:pPr lvl="2">
+              <a:lnSpc>
+                <a:spcPct val="100000"/>
+              </a:lnSpc>
+            </a:pPr>
+            <a:r>
+              <a:rPr lang="en-US" altLang="zh-CN" dirty="0" smtClean="0"/>
+              <a:t>NDK r18b </a:t>
+            </a:r>
+          </a:p>
         </p:txBody>
       </p:sp>
       <p:pic>
@@ -11565,8 +11643,8 @@
         </p:blipFill>
         <p:spPr>
           <a:xfrm>
-            <a:off x="1405287" y="1867921"/>
-            <a:ext cx="8639625" cy="4534437"/>
+            <a:off x="1549666" y="2209461"/>
+            <a:ext cx="7742947" cy="4644647"/>
           </a:xfrm>
           <a:prstGeom prst="rect">
             <a:avLst/>
@@ -11576,7 +11654,7 @@
     </p:spTree>
     <p:extLst>
       <p:ext uri="{BB962C8B-B14F-4D97-AF65-F5344CB8AC3E}">
-        <p14:creationId xmlns:p14="http://schemas.microsoft.com/office/powerpoint/2010/main" val="4132336294"/>
+        <p14:creationId xmlns:p14="http://schemas.microsoft.com/office/powerpoint/2010/main" val="3729625379"/>
       </p:ext>
     </p:extLst>
   </p:cSld>
@@ -11732,6 +11810,487 @@
               <a:rPr lang="zh-CN" altLang="en-US" smtClean="0"/>
               <a:pPr/>
               <a:t>21</a:t>
+            </a:fld>
+            <a:r>
+              <a:rPr lang="en-US" altLang="zh-CN" smtClean="0"/>
+              <a:t>/7</a:t>
+            </a:r>
+            <a:endParaRPr lang="zh-CN" altLang="en-US" dirty="0"/>
+          </a:p>
+        </p:txBody>
+      </p:sp>
+      <p:sp>
+        <p:nvSpPr>
+          <p:cNvPr id="10" name="文本占位符 2"/>
+          <p:cNvSpPr>
+            <a:spLocks noGrp="1"/>
+          </p:cNvSpPr>
+          <p:nvPr>
+            <p:ph type="body" sz="quarter" idx="13"/>
+          </p:nvPr>
+        </p:nvSpPr>
+        <p:spPr>
+          <a:xfrm>
+            <a:off x="671980" y="386500"/>
+            <a:ext cx="10188086" cy="622169"/>
+          </a:xfrm>
+        </p:spPr>
+        <p:txBody>
+          <a:bodyPr/>
+          <a:lstStyle/>
+          <a:p>
+            <a:r>
+              <a:rPr lang="en-US" altLang="zh-CN" sz="4000" dirty="0" smtClean="0"/>
+              <a:t>1. </a:t>
+            </a:r>
+            <a:r>
+              <a:rPr lang="en-US" altLang="zh-CN" sz="4000" dirty="0" err="1"/>
+              <a:t>TFLite</a:t>
+            </a:r>
+            <a:r>
+              <a:rPr lang="en-US" altLang="zh-CN" sz="4000" dirty="0"/>
+              <a:t> </a:t>
+            </a:r>
+            <a:r>
+              <a:rPr lang="en-US" altLang="zh-CN" sz="4000" dirty="0" smtClean="0"/>
+              <a:t>Demo</a:t>
+            </a:r>
+            <a:endParaRPr lang="en-US" altLang="zh-CN" sz="4000" dirty="0"/>
+          </a:p>
+          <a:p>
+            <a:endParaRPr lang="zh-CN" altLang="en-US" sz="4000" dirty="0"/>
+          </a:p>
+        </p:txBody>
+      </p:sp>
+      <p:sp>
+        <p:nvSpPr>
+          <p:cNvPr id="11" name="文本占位符 3"/>
+          <p:cNvSpPr>
+            <a:spLocks noGrp="1"/>
+          </p:cNvSpPr>
+          <p:nvPr>
+            <p:ph type="body" sz="quarter" idx="14"/>
+          </p:nvPr>
+        </p:nvSpPr>
+        <p:spPr>
+          <a:xfrm>
+            <a:off x="394578" y="1279333"/>
+            <a:ext cx="10225664" cy="4708525"/>
+          </a:xfrm>
+        </p:spPr>
+        <p:txBody>
+          <a:bodyPr/>
+          <a:lstStyle/>
+          <a:p>
+            <a:endParaRPr lang="en-US" altLang="zh-CN" dirty="0" smtClean="0"/>
+          </a:p>
+          <a:p>
+            <a:pPr lvl="2">
+              <a:buFont typeface="Wingdings" panose="05000000000000000000" pitchFamily="2" charset="2"/>
+              <a:buChar char="ü"/>
+            </a:pPr>
+            <a:endParaRPr lang="en-US" altLang="zh-CN" dirty="0"/>
+          </a:p>
+          <a:p>
+            <a:pPr marL="0" indent="0">
+              <a:buNone/>
+            </a:pPr>
+            <a:r>
+              <a:rPr lang="en-US" altLang="zh-CN" sz="2400" dirty="0" smtClean="0"/>
+              <a:t> </a:t>
+            </a:r>
+          </a:p>
+        </p:txBody>
+      </p:sp>
+      <p:sp>
+        <p:nvSpPr>
+          <p:cNvPr id="6" name="文本占位符 3"/>
+          <p:cNvSpPr txBox="1">
+            <a:spLocks/>
+          </p:cNvSpPr>
+          <p:nvPr/>
+        </p:nvSpPr>
+        <p:spPr>
+          <a:xfrm>
+            <a:off x="546978" y="1431733"/>
+            <a:ext cx="10883022" cy="4708525"/>
+          </a:xfrm>
+          <a:prstGeom prst="rect">
+            <a:avLst/>
+          </a:prstGeom>
+        </p:spPr>
+        <p:txBody>
+          <a:bodyPr/>
+          <a:lstStyle>
+            <a:lvl1pPr marL="228600" indent="-228600" algn="l" defTabSz="914400" rtl="0" eaLnBrk="1" latinLnBrk="0" hangingPunct="1">
+              <a:lnSpc>
+                <a:spcPct val="90000"/>
+              </a:lnSpc>
+              <a:spcBef>
+                <a:spcPts val="1000"/>
+              </a:spcBef>
+              <a:buClr>
+                <a:srgbClr val="036EB7"/>
+              </a:buClr>
+              <a:buFont typeface="Arial" panose="020B0604020202020204" pitchFamily="34" charset="0"/>
+              <a:buChar char="•"/>
+              <a:defRPr sz="2800" kern="1200">
+                <a:solidFill>
+                  <a:schemeClr val="tx1"/>
+                </a:solidFill>
+                <a:latin typeface="+mn-lt"/>
+                <a:ea typeface="+mn-ea"/>
+                <a:cs typeface="+mn-cs"/>
+              </a:defRPr>
+            </a:lvl1pPr>
+            <a:lvl2pPr marL="685800" indent="-228600" algn="l" defTabSz="914400" rtl="0" eaLnBrk="1" latinLnBrk="0" hangingPunct="1">
+              <a:lnSpc>
+                <a:spcPct val="90000"/>
+              </a:lnSpc>
+              <a:spcBef>
+                <a:spcPts val="500"/>
+              </a:spcBef>
+              <a:buClr>
+                <a:srgbClr val="6FD0F7"/>
+              </a:buClr>
+              <a:buFont typeface="Arial" panose="020B0604020202020204" pitchFamily="34" charset="0"/>
+              <a:buChar char="•"/>
+              <a:defRPr sz="2400" kern="1200">
+                <a:solidFill>
+                  <a:schemeClr val="tx1"/>
+                </a:solidFill>
+                <a:latin typeface="+mn-lt"/>
+                <a:ea typeface="+mn-ea"/>
+                <a:cs typeface="+mn-cs"/>
+              </a:defRPr>
+            </a:lvl2pPr>
+            <a:lvl3pPr marL="1143000" indent="-228600" algn="l" defTabSz="914400" rtl="0" eaLnBrk="1" latinLnBrk="0" hangingPunct="1">
+              <a:lnSpc>
+                <a:spcPct val="90000"/>
+              </a:lnSpc>
+              <a:spcBef>
+                <a:spcPts val="500"/>
+              </a:spcBef>
+              <a:buClr>
+                <a:srgbClr val="6FD0F7"/>
+              </a:buClr>
+              <a:buFont typeface="Arial" panose="020B0604020202020204" pitchFamily="34" charset="0"/>
+              <a:buChar char="•"/>
+              <a:defRPr sz="2000" kern="1200">
+                <a:solidFill>
+                  <a:schemeClr val="tx1"/>
+                </a:solidFill>
+                <a:latin typeface="+mn-lt"/>
+                <a:ea typeface="+mn-ea"/>
+                <a:cs typeface="+mn-cs"/>
+              </a:defRPr>
+            </a:lvl3pPr>
+            <a:lvl4pPr marL="1600200" indent="-228600" algn="l" defTabSz="914400" rtl="0" eaLnBrk="1" latinLnBrk="0" hangingPunct="1">
+              <a:lnSpc>
+                <a:spcPct val="90000"/>
+              </a:lnSpc>
+              <a:spcBef>
+                <a:spcPts val="500"/>
+              </a:spcBef>
+              <a:buFont typeface="Arial" panose="020B0604020202020204" pitchFamily="34" charset="0"/>
+              <a:buChar char="•"/>
+              <a:defRPr sz="1800" kern="1200">
+                <a:solidFill>
+                  <a:srgbClr val="6FD0F7"/>
+                </a:solidFill>
+                <a:latin typeface="+mn-lt"/>
+                <a:ea typeface="+mn-ea"/>
+                <a:cs typeface="+mn-cs"/>
+              </a:defRPr>
+            </a:lvl4pPr>
+            <a:lvl5pPr marL="2057400" indent="-228600" algn="l" defTabSz="914400" rtl="0" eaLnBrk="1" latinLnBrk="0" hangingPunct="1">
+              <a:lnSpc>
+                <a:spcPct val="90000"/>
+              </a:lnSpc>
+              <a:spcBef>
+                <a:spcPts val="500"/>
+              </a:spcBef>
+              <a:buFont typeface="Arial" panose="020B0604020202020204" pitchFamily="34" charset="0"/>
+              <a:buChar char="•"/>
+              <a:defRPr sz="1800" kern="1200">
+                <a:solidFill>
+                  <a:srgbClr val="6FD0F7"/>
+                </a:solidFill>
+                <a:latin typeface="+mn-lt"/>
+                <a:ea typeface="+mn-ea"/>
+                <a:cs typeface="+mn-cs"/>
+              </a:defRPr>
+            </a:lvl5pPr>
+            <a:lvl6pPr marL="2514600" indent="-228600" algn="l" defTabSz="914400" rtl="0" eaLnBrk="1" latinLnBrk="0" hangingPunct="1">
+              <a:lnSpc>
+                <a:spcPct val="90000"/>
+              </a:lnSpc>
+              <a:spcBef>
+                <a:spcPts val="500"/>
+              </a:spcBef>
+              <a:buFont typeface="Arial" panose="020B0604020202020204" pitchFamily="34" charset="0"/>
+              <a:buChar char="•"/>
+              <a:defRPr sz="1800" kern="1200">
+                <a:solidFill>
+                  <a:schemeClr val="tx1"/>
+                </a:solidFill>
+                <a:latin typeface="+mn-lt"/>
+                <a:ea typeface="+mn-ea"/>
+                <a:cs typeface="+mn-cs"/>
+              </a:defRPr>
+            </a:lvl6pPr>
+            <a:lvl7pPr marL="2971800" indent="-228600" algn="l" defTabSz="914400" rtl="0" eaLnBrk="1" latinLnBrk="0" hangingPunct="1">
+              <a:lnSpc>
+                <a:spcPct val="90000"/>
+              </a:lnSpc>
+              <a:spcBef>
+                <a:spcPts val="500"/>
+              </a:spcBef>
+              <a:buFont typeface="Arial" panose="020B0604020202020204" pitchFamily="34" charset="0"/>
+              <a:buChar char="•"/>
+              <a:defRPr sz="1800" kern="1200">
+                <a:solidFill>
+                  <a:schemeClr val="tx1"/>
+                </a:solidFill>
+                <a:latin typeface="+mn-lt"/>
+                <a:ea typeface="+mn-ea"/>
+                <a:cs typeface="+mn-cs"/>
+              </a:defRPr>
+            </a:lvl7pPr>
+            <a:lvl8pPr marL="3429000" indent="-228600" algn="l" defTabSz="914400" rtl="0" eaLnBrk="1" latinLnBrk="0" hangingPunct="1">
+              <a:lnSpc>
+                <a:spcPct val="90000"/>
+              </a:lnSpc>
+              <a:spcBef>
+                <a:spcPts val="500"/>
+              </a:spcBef>
+              <a:buFont typeface="Arial" panose="020B0604020202020204" pitchFamily="34" charset="0"/>
+              <a:buChar char="•"/>
+              <a:defRPr sz="1800" kern="1200">
+                <a:solidFill>
+                  <a:schemeClr val="tx1"/>
+                </a:solidFill>
+                <a:latin typeface="+mn-lt"/>
+                <a:ea typeface="+mn-ea"/>
+                <a:cs typeface="+mn-cs"/>
+              </a:defRPr>
+            </a:lvl8pPr>
+            <a:lvl9pPr marL="3886200" indent="-228600" algn="l" defTabSz="914400" rtl="0" eaLnBrk="1" latinLnBrk="0" hangingPunct="1">
+              <a:lnSpc>
+                <a:spcPct val="90000"/>
+              </a:lnSpc>
+              <a:spcBef>
+                <a:spcPts val="500"/>
+              </a:spcBef>
+              <a:buFont typeface="Arial" panose="020B0604020202020204" pitchFamily="34" charset="0"/>
+              <a:buChar char="•"/>
+              <a:defRPr sz="1800" kern="1200">
+                <a:solidFill>
+                  <a:schemeClr val="tx1"/>
+                </a:solidFill>
+                <a:latin typeface="+mn-lt"/>
+                <a:ea typeface="+mn-ea"/>
+                <a:cs typeface="+mn-cs"/>
+              </a:defRPr>
+            </a:lvl9pPr>
+          </a:lstStyle>
+          <a:p>
+            <a:r>
+              <a:rPr lang="en-US" altLang="zh-CN" dirty="0" smtClean="0"/>
+              <a:t>1.6 Test on Ubuntu18.04</a:t>
+            </a:r>
+          </a:p>
+        </p:txBody>
+      </p:sp>
+      <p:pic>
+        <p:nvPicPr>
+          <p:cNvPr id="2" name="图片 1"/>
+          <p:cNvPicPr>
+            <a:picLocks noChangeAspect="1"/>
+          </p:cNvPicPr>
+          <p:nvPr/>
+        </p:nvPicPr>
+        <p:blipFill>
+          <a:blip r:embed="rId3">
+            <a:extLst>
+              <a:ext uri="{28A0092B-C50C-407E-A947-70E740481C1C}">
+                <a14:useLocalDpi xmlns:a14="http://schemas.microsoft.com/office/drawing/2010/main" val="0"/>
+              </a:ext>
+            </a:extLst>
+          </a:blip>
+          <a:stretch>
+            <a:fillRect/>
+          </a:stretch>
+        </p:blipFill>
+        <p:spPr>
+          <a:xfrm>
+            <a:off x="1405287" y="1867921"/>
+            <a:ext cx="8639625" cy="4534437"/>
+          </a:xfrm>
+          <a:prstGeom prst="rect">
+            <a:avLst/>
+          </a:prstGeom>
+        </p:spPr>
+      </p:pic>
+    </p:spTree>
+    <p:extLst>
+      <p:ext uri="{BB962C8B-B14F-4D97-AF65-F5344CB8AC3E}">
+        <p14:creationId xmlns:p14="http://schemas.microsoft.com/office/powerpoint/2010/main" val="4132336294"/>
+      </p:ext>
+    </p:extLst>
+  </p:cSld>
+  <p:clrMapOvr>
+    <a:masterClrMapping/>
+  </p:clrMapOvr>
+  <p:transition spd="slow">
+    <p:push dir="u"/>
+  </p:transition>
+  <p:timing>
+    <p:tnLst>
+      <p:par>
+        <p:cTn id="1" dur="indefinite" restart="never" nodeType="tmRoot"/>
+      </p:par>
+    </p:tnLst>
+  </p:timing>
+</p:sld>
+</file>
+
+<file path=ppt/slides/slide22.xml><?xml version="1.0" encoding="utf-8"?>
+<p:sld xmlns:a="http://schemas.openxmlformats.org/drawingml/2006/main" xmlns:r="http://schemas.openxmlformats.org/officeDocument/2006/relationships" xmlns:p="http://schemas.openxmlformats.org/presentationml/2006/main">
+  <p:cSld>
+    <p:spTree>
+      <p:nvGrpSpPr>
+        <p:cNvPr id="1" name=""/>
+        <p:cNvGrpSpPr/>
+        <p:nvPr/>
+      </p:nvGrpSpPr>
+      <p:grpSpPr>
+        <a:xfrm>
+          <a:off x="0" y="0"/>
+          <a:ext cx="0" cy="0"/>
+          <a:chOff x="0" y="0"/>
+          <a:chExt cx="0" cy="0"/>
+        </a:xfrm>
+      </p:grpSpPr>
+      <p:sp>
+        <p:nvSpPr>
+          <p:cNvPr id="9" name="灯片编号占位符 1"/>
+          <p:cNvSpPr txBox="1">
+            <a:spLocks/>
+          </p:cNvSpPr>
+          <p:nvPr/>
+        </p:nvSpPr>
+        <p:spPr>
+          <a:xfrm>
+            <a:off x="11430000" y="6402358"/>
+            <a:ext cx="669984" cy="365125"/>
+          </a:xfrm>
+          <a:prstGeom prst="rect">
+            <a:avLst/>
+          </a:prstGeom>
+        </p:spPr>
+        <p:txBody>
+          <a:bodyPr/>
+          <a:lstStyle>
+            <a:defPPr>
+              <a:defRPr lang="zh-CN"/>
+            </a:defPPr>
+            <a:lvl1pPr marL="0" algn="l" defTabSz="914400" rtl="0" eaLnBrk="1" latinLnBrk="0" hangingPunct="1">
+              <a:defRPr sz="1800" kern="1200">
+                <a:solidFill>
+                  <a:schemeClr val="tx1"/>
+                </a:solidFill>
+                <a:latin typeface="+mn-lt"/>
+                <a:ea typeface="+mn-ea"/>
+                <a:cs typeface="+mn-cs"/>
+              </a:defRPr>
+            </a:lvl1pPr>
+            <a:lvl2pPr marL="457200" algn="l" defTabSz="914400" rtl="0" eaLnBrk="1" latinLnBrk="0" hangingPunct="1">
+              <a:defRPr sz="1800" kern="1200">
+                <a:solidFill>
+                  <a:schemeClr val="tx1"/>
+                </a:solidFill>
+                <a:latin typeface="+mn-lt"/>
+                <a:ea typeface="+mn-ea"/>
+                <a:cs typeface="+mn-cs"/>
+              </a:defRPr>
+            </a:lvl2pPr>
+            <a:lvl3pPr marL="914400" algn="l" defTabSz="914400" rtl="0" eaLnBrk="1" latinLnBrk="0" hangingPunct="1">
+              <a:defRPr sz="1800" kern="1200">
+                <a:solidFill>
+                  <a:schemeClr val="tx1"/>
+                </a:solidFill>
+                <a:latin typeface="+mn-lt"/>
+                <a:ea typeface="+mn-ea"/>
+                <a:cs typeface="+mn-cs"/>
+              </a:defRPr>
+            </a:lvl3pPr>
+            <a:lvl4pPr marL="1371600" algn="l" defTabSz="914400" rtl="0" eaLnBrk="1" latinLnBrk="0" hangingPunct="1">
+              <a:defRPr sz="1800" kern="1200">
+                <a:solidFill>
+                  <a:schemeClr val="tx1"/>
+                </a:solidFill>
+                <a:latin typeface="+mn-lt"/>
+                <a:ea typeface="+mn-ea"/>
+                <a:cs typeface="+mn-cs"/>
+              </a:defRPr>
+            </a:lvl4pPr>
+            <a:lvl5pPr marL="1828800" algn="l" defTabSz="914400" rtl="0" eaLnBrk="1" latinLnBrk="0" hangingPunct="1">
+              <a:defRPr sz="1800" kern="1200">
+                <a:solidFill>
+                  <a:schemeClr val="tx1"/>
+                </a:solidFill>
+                <a:latin typeface="+mn-lt"/>
+                <a:ea typeface="+mn-ea"/>
+                <a:cs typeface="+mn-cs"/>
+              </a:defRPr>
+            </a:lvl5pPr>
+            <a:lvl6pPr marL="2286000" algn="l" defTabSz="914400" rtl="0" eaLnBrk="1" latinLnBrk="0" hangingPunct="1">
+              <a:defRPr sz="1800" kern="1200">
+                <a:solidFill>
+                  <a:schemeClr val="tx1"/>
+                </a:solidFill>
+                <a:latin typeface="+mn-lt"/>
+                <a:ea typeface="+mn-ea"/>
+                <a:cs typeface="+mn-cs"/>
+              </a:defRPr>
+            </a:lvl6pPr>
+            <a:lvl7pPr marL="2743200" algn="l" defTabSz="914400" rtl="0" eaLnBrk="1" latinLnBrk="0" hangingPunct="1">
+              <a:defRPr sz="1800" kern="1200">
+                <a:solidFill>
+                  <a:schemeClr val="tx1"/>
+                </a:solidFill>
+                <a:latin typeface="+mn-lt"/>
+                <a:ea typeface="+mn-ea"/>
+                <a:cs typeface="+mn-cs"/>
+              </a:defRPr>
+            </a:lvl7pPr>
+            <a:lvl8pPr marL="3200400" algn="l" defTabSz="914400" rtl="0" eaLnBrk="1" latinLnBrk="0" hangingPunct="1">
+              <a:defRPr sz="1800" kern="1200">
+                <a:solidFill>
+                  <a:schemeClr val="tx1"/>
+                </a:solidFill>
+                <a:latin typeface="+mn-lt"/>
+                <a:ea typeface="+mn-ea"/>
+                <a:cs typeface="+mn-cs"/>
+              </a:defRPr>
+            </a:lvl8pPr>
+            <a:lvl9pPr marL="3657600" algn="l" defTabSz="914400" rtl="0" eaLnBrk="1" latinLnBrk="0" hangingPunct="1">
+              <a:defRPr sz="1800" kern="1200">
+                <a:solidFill>
+                  <a:schemeClr val="tx1"/>
+                </a:solidFill>
+                <a:latin typeface="+mn-lt"/>
+                <a:ea typeface="+mn-ea"/>
+                <a:cs typeface="+mn-cs"/>
+              </a:defRPr>
+            </a:lvl9pPr>
+          </a:lstStyle>
+          <a:p>
+            <a:fld id="{4539F025-D7F9-4E61-9C22-F15BE1C19EA8}" type="slidenum">
+              <a:rPr lang="zh-CN" altLang="en-US" smtClean="0"/>
+              <a:pPr/>
+              <a:t>22</a:t>
             </a:fld>
             <a:r>
               <a:rPr lang="en-US" altLang="zh-CN" smtClean="0"/>
@@ -12134,7 +12693,7 @@
 </p:sld>
 </file>
 
-<file path=ppt/slides/slide22.xml><?xml version="1.0" encoding="utf-8"?>
+<file path=ppt/slides/slide23.xml><?xml version="1.0" encoding="utf-8"?>
 <p:sld xmlns:a="http://schemas.openxmlformats.org/drawingml/2006/main" xmlns:r="http://schemas.openxmlformats.org/officeDocument/2006/relationships" xmlns:p="http://schemas.openxmlformats.org/presentationml/2006/main">
   <p:cSld>
     <p:spTree>
@@ -12269,7 +12828,7 @@
             <a:fld id="{4539F025-D7F9-4E61-9C22-F15BE1C19EA8}" type="slidenum">
               <a:rPr lang="zh-CN" altLang="en-US" smtClean="0"/>
               <a:pPr/>
-              <a:t>22</a:t>
+              <a:t>23</a:t>
             </a:fld>
             <a:r>
               <a:rPr lang="en-US" altLang="zh-CN" smtClean="0"/>
@@ -12414,7 +12973,7 @@
 </p:sld>
 </file>
 
-<file path=ppt/slides/slide23.xml><?xml version="1.0" encoding="utf-8"?>
+<file path=ppt/slides/slide24.xml><?xml version="1.0" encoding="utf-8"?>
 <p:sld xmlns:a="http://schemas.openxmlformats.org/drawingml/2006/main" xmlns:r="http://schemas.openxmlformats.org/officeDocument/2006/relationships" xmlns:p="http://schemas.openxmlformats.org/presentationml/2006/main">
   <p:cSld>
     <p:spTree>
@@ -17804,7 +18363,7 @@
   <a:extraClrSchemeLst/>
   <a:extLst>
     <a:ext uri="{05A4C25C-085E-4340-85A3-A5531E510DB2}">
-      <thm15:themeFamily xmlns:thm15="http://schemas.microsoft.com/office/thememl/2012/main" xmlns="" name="Office Theme" id="{62F939B6-93AF-4DB8-9C6B-D6C7DFDC589F}" vid="{4A3C46E8-61CC-4603-A589-7422A47A8E4A}"/>
+      <thm15:themeFamily xmlns="" xmlns:thm15="http://schemas.microsoft.com/office/thememl/2012/main" name="Office Theme" id="{62F939B6-93AF-4DB8-9C6B-D6C7DFDC589F}" vid="{4A3C46E8-61CC-4603-A589-7422A47A8E4A}"/>
     </a:ext>
   </a:extLst>
 </a:theme>
@@ -18065,7 +18624,7 @@
   <a:extraClrSchemeLst/>
   <a:extLst>
     <a:ext uri="{05A4C25C-085E-4340-85A3-A5531E510DB2}">
-      <thm15:themeFamily xmlns:thm15="http://schemas.microsoft.com/office/thememl/2012/main" xmlns="" name="Office Theme" id="{62F939B6-93AF-4DB8-9C6B-D6C7DFDC589F}" vid="{4A3C46E8-61CC-4603-A589-7422A47A8E4A}"/>
+      <thm15:themeFamily xmlns="" xmlns:thm15="http://schemas.microsoft.com/office/thememl/2012/main" name="Office Theme" id="{62F939B6-93AF-4DB8-9C6B-D6C7DFDC589F}" vid="{4A3C46E8-61CC-4603-A589-7422A47A8E4A}"/>
     </a:ext>
   </a:extLst>
 </a:theme>
@@ -18326,7 +18885,7 @@
   <a:extraClrSchemeLst/>
   <a:extLst>
     <a:ext uri="{05A4C25C-085E-4340-85A3-A5531E510DB2}">
-      <thm15:themeFamily xmlns:thm15="http://schemas.microsoft.com/office/thememl/2012/main" xmlns="" name="Office Theme" id="{62F939B6-93AF-4DB8-9C6B-D6C7DFDC589F}" vid="{4A3C46E8-61CC-4603-A589-7422A47A8E4A}"/>
+      <thm15:themeFamily xmlns="" xmlns:thm15="http://schemas.microsoft.com/office/thememl/2012/main" name="Office Theme" id="{62F939B6-93AF-4DB8-9C6B-D6C7DFDC589F}" vid="{4A3C46E8-61CC-4603-A589-7422A47A8E4A}"/>
     </a:ext>
   </a:extLst>
 </a:theme>

--- a/Internal Training《How to use TFLite_v1》—Public.pptx
+++ b/Internal Training《How to use TFLite_v1》—Public.pptx
@@ -263,7 +263,7 @@
             <a:fld id="{F70B60E6-A21C-4C76-84D1-E70FCE90B7D8}" type="datetimeFigureOut">
               <a:rPr lang="zh-CN" altLang="en-US" smtClean="0"/>
               <a:pPr/>
-              <a:t>2018/12/18</a:t>
+              <a:t>2018/12/20</a:t>
             </a:fld>
             <a:endParaRPr lang="zh-CN" altLang="en-US"/>
           </a:p>
@@ -431,7 +431,7 @@
             <a:fld id="{70266747-ADEC-4632-B717-23655C0040D7}" type="datetimeFigureOut">
               <a:rPr lang="zh-CN" altLang="en-US" smtClean="0"/>
               <a:pPr/>
-              <a:t>2018/12/18</a:t>
+              <a:t>2018/12/20</a:t>
             </a:fld>
             <a:endParaRPr lang="zh-CN" altLang="en-US"/>
           </a:p>
@@ -5181,7 +5181,7 @@
               <a:rPr lang="en-US" altLang="zh-CN" smtClean="0">
                 <a:latin typeface="+mn-lt"/>
               </a:rPr>
-              <a:t>12/18/2018</a:t>
+              <a:t>12/20/2018</a:t>
             </a:fld>
             <a:endParaRPr lang="en-US" altLang="zh-CN" dirty="0" smtClean="0">
               <a:latin typeface="+mn-lt"/>
@@ -9747,7 +9747,6 @@
               <a:rPr lang="en-US" altLang="zh-CN" dirty="0" smtClean="0"/>
               <a:t>WORKSPACE</a:t>
             </a:r>
-            <a:endParaRPr lang="en-US" altLang="zh-CN" dirty="0" smtClean="0"/>
           </a:p>
         </p:txBody>
       </p:sp>
@@ -12904,7 +12903,11 @@
             </a:pPr>
             <a:r>
               <a:rPr lang="en-US" altLang="zh-CN" dirty="0" smtClean="0"/>
-              <a:t>All supported ops smaller than 300kb.</a:t>
+              <a:t>Lightweight. All </a:t>
+            </a:r>
+            <a:r>
+              <a:rPr lang="en-US" altLang="zh-CN" dirty="0" smtClean="0"/>
+              <a:t>supported ops smaller than 300kb.</a:t>
             </a:r>
           </a:p>
           <a:p>
@@ -12934,8 +12937,13 @@
             </a:r>
             <a:r>
               <a:rPr lang="en-US" altLang="zh-CN" dirty="0" smtClean="0"/>
-              <a:t>ratio.</a:t>
-            </a:r>
+              <a:t>ratio</a:t>
+            </a:r>
+            <a:r>
+              <a:rPr lang="en-US" altLang="zh-CN" dirty="0" smtClean="0"/>
+              <a:t>.</a:t>
+            </a:r>
+            <a:endParaRPr lang="en-US" altLang="zh-CN" dirty="0" smtClean="0"/>
           </a:p>
           <a:p>
             <a:pPr lvl="1">
@@ -12945,8 +12953,32 @@
             </a:pPr>
             <a:r>
               <a:rPr lang="en-US" altLang="zh-CN" dirty="0" smtClean="0"/>
-              <a:t>Small binary file size.</a:t>
-            </a:r>
+              <a:t>Low latency and small </a:t>
+            </a:r>
+            <a:r>
+              <a:rPr lang="en-US" altLang="zh-CN" dirty="0" smtClean="0"/>
+              <a:t>binary </a:t>
+            </a:r>
+            <a:r>
+              <a:rPr lang="en-US" altLang="zh-CN" dirty="0" smtClean="0"/>
+              <a:t>size.</a:t>
+            </a:r>
+          </a:p>
+          <a:p>
+            <a:pPr lvl="1">
+              <a:lnSpc>
+                <a:spcPct val="150000"/>
+              </a:lnSpc>
+            </a:pPr>
+            <a:r>
+              <a:rPr lang="en-US" altLang="zh-CN" dirty="0" smtClean="0"/>
+              <a:t>Hardware acceleration. </a:t>
+            </a:r>
+            <a:r>
+              <a:rPr lang="en-US" altLang="zh-CN" smtClean="0"/>
+              <a:t>Android NNAPI.</a:t>
+            </a:r>
+            <a:endParaRPr lang="en-US" altLang="zh-CN" dirty="0" smtClean="0"/>
           </a:p>
         </p:txBody>
       </p:sp>
@@ -13575,19 +13607,15 @@
           <a:p>
             <a:r>
               <a:rPr lang="en-US" altLang="zh-CN" dirty="0" smtClean="0"/>
-              <a:t>0.2  </a:t>
+              <a:t>0.2 </a:t>
             </a:r>
             <a:r>
               <a:rPr lang="en-US" altLang="zh-CN" dirty="0" err="1" smtClean="0"/>
               <a:t>TFLite</a:t>
             </a:r>
             <a:r>
-              <a:rPr lang="en-US" altLang="zh-CN" dirty="0"/>
-              <a:t> </a:t>
-            </a:r>
-            <a:r>
               <a:rPr lang="en-US" altLang="zh-CN" dirty="0" smtClean="0"/>
-              <a:t>Architecture</a:t>
+              <a:t> Architecture</a:t>
             </a:r>
           </a:p>
           <a:p>
